--- a/Part 2.pptx
+++ b/Part 2.pptx
@@ -9,6 +9,10 @@
     <p:sldId id="257" r:id="rId3"/>
     <p:sldId id="258" r:id="rId4"/>
     <p:sldId id="259" r:id="rId5"/>
+    <p:sldId id="260" r:id="rId6"/>
+    <p:sldId id="261" r:id="rId7"/>
+    <p:sldId id="262" r:id="rId8"/>
+    <p:sldId id="263" r:id="rId9"/>
   </p:sldIdLst>
   <p:sldSz cx="12192000" cy="6858000"/>
   <p:notesSz cx="6858000" cy="9144000"/>
@@ -107,6 +111,11 @@
       </a:defRPr>
     </a:lvl9pPr>
   </p:defaultTextStyle>
+  <p:extLst>
+    <p:ext uri="{EFAFB233-063F-42B5-8137-9DF3F51BA10A}">
+      <p15:sldGuideLst xmlns:p15="http://schemas.microsoft.com/office/powerpoint/2012/main"/>
+    </p:ext>
+  </p:extLst>
 </p:presentation>
 </file>
 
@@ -7674,6 +7683,2117 @@
 </p:sld>
 </file>
 
+<file path=ppt/slides/slide5.xml><?xml version="1.0" encoding="utf-8"?>
+<p:sld xmlns:a="http://schemas.openxmlformats.org/drawingml/2006/main" xmlns:r="http://schemas.openxmlformats.org/officeDocument/2006/relationships" xmlns:p="http://schemas.openxmlformats.org/presentationml/2006/main">
+  <p:cSld>
+    <p:bg>
+      <p:bgPr>
+        <a:solidFill>
+          <a:schemeClr val="bg1"/>
+        </a:solidFill>
+        <a:effectLst/>
+      </p:bgPr>
+    </p:bg>
+    <p:spTree>
+      <p:nvGrpSpPr>
+        <p:cNvPr id="1" name="">
+          <a:extLst>
+            <a:ext uri="{FF2B5EF4-FFF2-40B4-BE49-F238E27FC236}">
+              <a16:creationId xmlns:a16="http://schemas.microsoft.com/office/drawing/2014/main" id="{CEAE644E-B8EE-9E26-ACF4-65D161B9D7AB}"/>
+            </a:ext>
+          </a:extLst>
+        </p:cNvPr>
+        <p:cNvGrpSpPr/>
+        <p:nvPr/>
+      </p:nvGrpSpPr>
+      <p:grpSpPr>
+        <a:xfrm>
+          <a:off x="0" y="0"/>
+          <a:ext cx="0" cy="0"/>
+          <a:chOff x="0" y="0"/>
+          <a:chExt cx="0" cy="0"/>
+        </a:xfrm>
+      </p:grpSpPr>
+      <p:pic>
+        <p:nvPicPr>
+          <p:cNvPr id="4" name="Picture 3" descr="Abstract background of mesh">
+            <a:extLst>
+              <a:ext uri="{FF2B5EF4-FFF2-40B4-BE49-F238E27FC236}">
+                <a16:creationId xmlns:a16="http://schemas.microsoft.com/office/drawing/2014/main" id="{4BE4522A-7CCA-1414-D0AF-2F61630C9B14}"/>
+              </a:ext>
+            </a:extLst>
+          </p:cNvPr>
+          <p:cNvPicPr>
+            <a:picLocks noChangeAspect="1"/>
+          </p:cNvPicPr>
+          <p:nvPr/>
+        </p:nvPicPr>
+        <p:blipFill>
+          <a:blip r:embed="rId2"/>
+          <a:srcRect b="15730"/>
+          <a:stretch>
+            <a:fillRect/>
+          </a:stretch>
+        </p:blipFill>
+        <p:spPr>
+          <a:xfrm>
+            <a:off x="20" y="10"/>
+            <a:ext cx="12191979" cy="6857990"/>
+          </a:xfrm>
+          <a:prstGeom prst="rect">
+            <a:avLst/>
+          </a:prstGeom>
+          <a:ln>
+            <a:solidFill>
+              <a:srgbClr val="CC9900"/>
+            </a:solidFill>
+          </a:ln>
+        </p:spPr>
+      </p:pic>
+      <p:sp>
+        <p:nvSpPr>
+          <p:cNvPr id="2" name="Title 1">
+            <a:extLst>
+              <a:ext uri="{FF2B5EF4-FFF2-40B4-BE49-F238E27FC236}">
+                <a16:creationId xmlns:a16="http://schemas.microsoft.com/office/drawing/2014/main" id="{88D28F33-9CD8-E218-DB46-9AB6578AEFD3}"/>
+              </a:ext>
+            </a:extLst>
+          </p:cNvPr>
+          <p:cNvSpPr>
+            <a:spLocks noGrp="1"/>
+          </p:cNvSpPr>
+          <p:nvPr>
+            <p:ph type="ctrTitle"/>
+          </p:nvPr>
+        </p:nvSpPr>
+        <p:spPr>
+          <a:xfrm>
+            <a:off x="320039" y="255830"/>
+            <a:ext cx="6071334" cy="1205325"/>
+          </a:xfrm>
+          <a:ln>
+            <a:solidFill>
+              <a:srgbClr val="CC9900"/>
+            </a:solidFill>
+          </a:ln>
+        </p:spPr>
+        <p:txBody>
+          <a:bodyPr anchor="t">
+            <a:normAutofit fontScale="90000"/>
+          </a:bodyPr>
+          <a:lstStyle/>
+          <a:p>
+            <a:pPr algn="ctr"/>
+            <a:r>
+              <a:rPr lang="en-US" sz="4400" dirty="0">
+                <a:solidFill>
+                  <a:schemeClr val="bg1"/>
+                </a:solidFill>
+              </a:rPr>
+              <a:t>Test Case A – Balanced World</a:t>
+            </a:r>
+            <a:br>
+              <a:rPr lang="en-US" sz="4400" dirty="0">
+                <a:solidFill>
+                  <a:schemeClr val="bg1"/>
+                </a:solidFill>
+              </a:rPr>
+            </a:br>
+            <a:endParaRPr lang="en-US" sz="4400" dirty="0">
+              <a:solidFill>
+                <a:schemeClr val="bg1"/>
+              </a:solidFill>
+            </a:endParaRPr>
+          </a:p>
+        </p:txBody>
+      </p:sp>
+      <p:sp>
+        <p:nvSpPr>
+          <p:cNvPr id="5" name="TextBox 4">
+            <a:extLst>
+              <a:ext uri="{FF2B5EF4-FFF2-40B4-BE49-F238E27FC236}">
+                <a16:creationId xmlns:a16="http://schemas.microsoft.com/office/drawing/2014/main" id="{FC2B0BD6-FA63-789A-723B-C176C2CF8EEE}"/>
+              </a:ext>
+            </a:extLst>
+          </p:cNvPr>
+          <p:cNvSpPr txBox="1"/>
+          <p:nvPr/>
+        </p:nvSpPr>
+        <p:spPr>
+          <a:xfrm>
+            <a:off x="320039" y="2117559"/>
+            <a:ext cx="5775961" cy="1754326"/>
+          </a:xfrm>
+          <a:prstGeom prst="rect">
+            <a:avLst/>
+          </a:prstGeom>
+          <a:noFill/>
+          <a:ln>
+            <a:solidFill>
+              <a:srgbClr val="CC9900"/>
+            </a:solidFill>
+          </a:ln>
+        </p:spPr>
+        <p:txBody>
+          <a:bodyPr wrap="square" rtlCol="0">
+            <a:spAutoFit/>
+          </a:bodyPr>
+          <a:lstStyle/>
+          <a:p>
+            <a:pPr marL="342900" marR="0" lvl="0" indent="-342900" algn="l" defTabSz="457200" rtl="0" eaLnBrk="1" fontAlgn="auto" latinLnBrk="0" hangingPunct="1">
+              <a:lnSpc>
+                <a:spcPct val="100000"/>
+              </a:lnSpc>
+              <a:spcBef>
+                <a:spcPts val="0"/>
+              </a:spcBef>
+              <a:spcAft>
+                <a:spcPts val="0"/>
+              </a:spcAft>
+              <a:buClrTx/>
+              <a:buSzTx/>
+              <a:buFont typeface="Arial" panose="020B0604020202020204" pitchFamily="34" charset="0"/>
+              <a:buChar char="•"/>
+              <a:tabLst/>
+              <a:defRPr/>
+            </a:pPr>
+            <a:r>
+              <a:rPr kumimoji="0" lang="en-US" sz="1800" b="0" i="0" u="none" strike="noStrike" kern="1200" cap="none" spc="0" normalizeH="0" baseline="0" noProof="0" dirty="0">
+                <a:ln>
+                  <a:noFill/>
+                </a:ln>
+                <a:solidFill>
+                  <a:prstClr val="black"/>
+                </a:solidFill>
+                <a:effectLst/>
+                <a:uLnTx/>
+                <a:uFillTx/>
+                <a:latin typeface="Impact" panose="020B0806030902050204"/>
+                <a:ea typeface="+mn-ea"/>
+                <a:cs typeface="+mn-cs"/>
+              </a:rPr>
+              <a:t>“Case A is the default init_world.csv.</a:t>
+            </a:r>
+          </a:p>
+          <a:p>
+            <a:pPr marL="342900" marR="0" lvl="0" indent="-342900" algn="l" defTabSz="457200" rtl="0" eaLnBrk="1" fontAlgn="auto" latinLnBrk="0" hangingPunct="1">
+              <a:lnSpc>
+                <a:spcPct val="100000"/>
+              </a:lnSpc>
+              <a:spcBef>
+                <a:spcPts val="0"/>
+              </a:spcBef>
+              <a:spcAft>
+                <a:spcPts val="0"/>
+              </a:spcAft>
+              <a:buClrTx/>
+              <a:buSzTx/>
+              <a:buFont typeface="Arial" panose="020B0604020202020204" pitchFamily="34" charset="0"/>
+              <a:buChar char="•"/>
+              <a:tabLst/>
+              <a:defRPr/>
+            </a:pPr>
+            <a:endParaRPr kumimoji="0" lang="en-US" sz="1800" b="0" i="0" u="none" strike="noStrike" kern="1200" cap="none" spc="0" normalizeH="0" baseline="0" noProof="0" dirty="0">
+              <a:ln>
+                <a:noFill/>
+              </a:ln>
+              <a:solidFill>
+                <a:prstClr val="black"/>
+              </a:solidFill>
+              <a:effectLst/>
+              <a:uLnTx/>
+              <a:uFillTx/>
+              <a:latin typeface="Impact" panose="020B0806030902050204"/>
+              <a:ea typeface="+mn-ea"/>
+              <a:cs typeface="+mn-cs"/>
+            </a:endParaRPr>
+          </a:p>
+          <a:p>
+            <a:pPr marL="342900" marR="0" lvl="0" indent="-342900" algn="l" defTabSz="457200" rtl="0" eaLnBrk="1" fontAlgn="auto" latinLnBrk="0" hangingPunct="1">
+              <a:lnSpc>
+                <a:spcPct val="100000"/>
+              </a:lnSpc>
+              <a:spcBef>
+                <a:spcPts val="0"/>
+              </a:spcBef>
+              <a:spcAft>
+                <a:spcPts val="0"/>
+              </a:spcAft>
+              <a:buClrTx/>
+              <a:buSzTx/>
+              <a:buFont typeface="Arial" panose="020B0604020202020204" pitchFamily="34" charset="0"/>
+              <a:buChar char="•"/>
+              <a:tabLst/>
+              <a:defRPr/>
+            </a:pPr>
+            <a:r>
+              <a:rPr kumimoji="0" lang="en-US" sz="1800" b="0" i="0" u="none" strike="noStrike" kern="1200" cap="none" spc="0" normalizeH="0" baseline="0" noProof="0" dirty="0">
+                <a:ln>
+                  <a:noFill/>
+                </a:ln>
+                <a:solidFill>
+                  <a:prstClr val="black"/>
+                </a:solidFill>
+                <a:effectLst/>
+                <a:uLnTx/>
+                <a:uFillTx/>
+                <a:latin typeface="Impact" panose="020B0806030902050204"/>
+                <a:ea typeface="+mn-ea"/>
+                <a:cs typeface="+mn-cs"/>
+              </a:rPr>
+              <a:t>Populations 70-140, resources roughly proportional, no glaring shortages. </a:t>
+            </a:r>
+          </a:p>
+          <a:p>
+            <a:pPr marL="342900" marR="0" lvl="0" indent="-342900" algn="l" defTabSz="457200" rtl="0" eaLnBrk="1" fontAlgn="auto" latinLnBrk="0" hangingPunct="1">
+              <a:lnSpc>
+                <a:spcPct val="100000"/>
+              </a:lnSpc>
+              <a:spcBef>
+                <a:spcPts val="0"/>
+              </a:spcBef>
+              <a:spcAft>
+                <a:spcPts val="0"/>
+              </a:spcAft>
+              <a:buClrTx/>
+              <a:buSzTx/>
+              <a:buFont typeface="Arial" panose="020B0604020202020204" pitchFamily="34" charset="0"/>
+              <a:buChar char="•"/>
+              <a:tabLst/>
+              <a:defRPr/>
+            </a:pPr>
+            <a:endParaRPr lang="en-US" dirty="0">
+              <a:solidFill>
+                <a:prstClr val="black"/>
+              </a:solidFill>
+              <a:latin typeface="Impact" panose="020B0806030902050204"/>
+            </a:endParaRPr>
+          </a:p>
+          <a:p>
+            <a:pPr marL="342900" marR="0" lvl="0" indent="-342900" algn="l" defTabSz="457200" rtl="0" eaLnBrk="1" fontAlgn="auto" latinLnBrk="0" hangingPunct="1">
+              <a:lnSpc>
+                <a:spcPct val="100000"/>
+              </a:lnSpc>
+              <a:spcBef>
+                <a:spcPts val="0"/>
+              </a:spcBef>
+              <a:spcAft>
+                <a:spcPts val="0"/>
+              </a:spcAft>
+              <a:buClrTx/>
+              <a:buSzTx/>
+              <a:buFont typeface="Arial" panose="020B0604020202020204" pitchFamily="34" charset="0"/>
+              <a:buChar char="•"/>
+              <a:tabLst/>
+              <a:defRPr/>
+            </a:pPr>
+            <a:r>
+              <a:rPr kumimoji="0" lang="en-US" sz="1800" b="0" i="0" u="none" strike="noStrike" kern="1200" cap="none" spc="0" normalizeH="0" baseline="0" noProof="0" dirty="0">
+                <a:ln>
+                  <a:noFill/>
+                </a:ln>
+                <a:solidFill>
+                  <a:prstClr val="black"/>
+                </a:solidFill>
+                <a:effectLst/>
+                <a:uLnTx/>
+                <a:uFillTx/>
+                <a:latin typeface="Impact" panose="020B0806030902050204"/>
+                <a:ea typeface="+mn-ea"/>
+                <a:cs typeface="+mn-cs"/>
+              </a:rPr>
+              <a:t>Params: depth 1, beam 200, γ 0.98, C = –5.</a:t>
+            </a:r>
+            <a:endParaRPr kumimoji="0" lang="en-US" sz="1800" b="0" i="0" u="none" strike="noStrike" kern="1200" cap="none" spc="0" normalizeH="0" baseline="0" noProof="0" dirty="0">
+              <a:ln>
+                <a:noFill/>
+              </a:ln>
+              <a:solidFill>
+                <a:prstClr val="black"/>
+              </a:solidFill>
+              <a:effectLst/>
+              <a:uLnTx/>
+              <a:uFillTx/>
+              <a:latin typeface="Neue Haas Grotesk Text Pro"/>
+              <a:ea typeface="+mn-ea"/>
+              <a:cs typeface="+mn-cs"/>
+            </a:endParaRPr>
+          </a:p>
+        </p:txBody>
+      </p:sp>
+      <p:pic>
+        <p:nvPicPr>
+          <p:cNvPr id="3" name="Picture 2">
+            <a:extLst>
+              <a:ext uri="{FF2B5EF4-FFF2-40B4-BE49-F238E27FC236}">
+                <a16:creationId xmlns:a16="http://schemas.microsoft.com/office/drawing/2014/main" id="{271FDB10-6162-CB9F-AF4F-C885DEB6601B}"/>
+              </a:ext>
+            </a:extLst>
+          </p:cNvPr>
+          <p:cNvPicPr>
+            <a:picLocks noChangeAspect="1"/>
+          </p:cNvPicPr>
+          <p:nvPr/>
+        </p:nvPicPr>
+        <p:blipFill>
+          <a:blip r:embed="rId3"/>
+          <a:stretch>
+            <a:fillRect/>
+          </a:stretch>
+        </p:blipFill>
+        <p:spPr>
+          <a:xfrm>
+            <a:off x="9552003" y="5529032"/>
+            <a:ext cx="2639977" cy="1328968"/>
+          </a:xfrm>
+          <a:prstGeom prst="rect">
+            <a:avLst/>
+          </a:prstGeom>
+        </p:spPr>
+      </p:pic>
+      <p:graphicFrame>
+        <p:nvGraphicFramePr>
+          <p:cNvPr id="8" name="Table 7">
+            <a:extLst>
+              <a:ext uri="{FF2B5EF4-FFF2-40B4-BE49-F238E27FC236}">
+                <a16:creationId xmlns:a16="http://schemas.microsoft.com/office/drawing/2014/main" id="{79F0AA86-1995-5869-47CD-1A095986CA9A}"/>
+              </a:ext>
+            </a:extLst>
+          </p:cNvPr>
+          <p:cNvGraphicFramePr>
+            <a:graphicFrameLocks noGrp="1"/>
+          </p:cNvGraphicFramePr>
+          <p:nvPr>
+            <p:extLst>
+              <p:ext uri="{D42A27DB-BD31-4B8C-83A1-F6EECF244321}">
+                <p14:modId xmlns:p14="http://schemas.microsoft.com/office/powerpoint/2010/main" val="675956859"/>
+              </p:ext>
+            </p:extLst>
+          </p:nvPr>
+        </p:nvGraphicFramePr>
+        <p:xfrm>
+          <a:off x="320039" y="4195839"/>
+          <a:ext cx="5419280" cy="1534941"/>
+        </p:xfrm>
+        <a:graphic>
+          <a:graphicData uri="http://schemas.openxmlformats.org/drawingml/2006/table">
+            <a:tbl>
+              <a:tblPr firstRow="1" bandRow="1">
+                <a:tableStyleId>{21E4AEA4-8DFA-4A89-87EB-49C32662AFE0}</a:tableStyleId>
+              </a:tblPr>
+              <a:tblGrid>
+                <a:gridCol w="3055459">
+                  <a:extLst>
+                    <a:ext uri="{9D8B030D-6E8A-4147-A177-3AD203B41FA5}">
+                      <a16:colId xmlns:a16="http://schemas.microsoft.com/office/drawing/2014/main" val="3377752719"/>
+                    </a:ext>
+                  </a:extLst>
+                </a:gridCol>
+                <a:gridCol w="2363821">
+                  <a:extLst>
+                    <a:ext uri="{9D8B030D-6E8A-4147-A177-3AD203B41FA5}">
+                      <a16:colId xmlns:a16="http://schemas.microsoft.com/office/drawing/2014/main" val="624221955"/>
+                    </a:ext>
+                  </a:extLst>
+                </a:gridCol>
+              </a:tblGrid>
+              <a:tr h="370840">
+                <a:tc>
+                  <a:txBody>
+                    <a:bodyPr/>
+                    <a:lstStyle/>
+                    <a:p>
+                      <a:r>
+                        <a:rPr lang="en-US" dirty="0">
+                          <a:solidFill>
+                            <a:schemeClr val="bg1"/>
+                          </a:solidFill>
+                        </a:rPr>
+                        <a:t>Action</a:t>
+                      </a:r>
+                    </a:p>
+                  </a:txBody>
+                  <a:tcPr anchor="ctr"/>
+                </a:tc>
+                <a:tc>
+                  <a:txBody>
+                    <a:bodyPr/>
+                    <a:lstStyle/>
+                    <a:p>
+                      <a:r>
+                        <a:rPr lang="en-US" dirty="0">
+                          <a:solidFill>
+                            <a:schemeClr val="bg1"/>
+                          </a:solidFill>
+                        </a:rPr>
+                        <a:t>EU after step</a:t>
+                      </a:r>
+                    </a:p>
+                  </a:txBody>
+                  <a:tcPr/>
+                </a:tc>
+                <a:extLst>
+                  <a:ext uri="{0D108BD9-81ED-4DB2-BD59-A6C34878D82A}">
+                    <a16:rowId xmlns:a16="http://schemas.microsoft.com/office/drawing/2014/main" val="2357238343"/>
+                  </a:ext>
+                </a:extLst>
+              </a:tr>
+              <a:tr h="370840">
+                <a:tc>
+                  <a:txBody>
+                    <a:bodyPr/>
+                    <a:lstStyle/>
+                    <a:p>
+                      <a:r>
+                        <a:rPr lang="en-US" dirty="0"/>
+                        <a:t>TRANSFORM Alloys ×25</a:t>
+                      </a:r>
+                    </a:p>
+                  </a:txBody>
+                  <a:tcPr/>
+                </a:tc>
+                <a:tc>
+                  <a:txBody>
+                    <a:bodyPr/>
+                    <a:lstStyle/>
+                    <a:p>
+                      <a:r>
+                        <a:rPr lang="en-US" dirty="0"/>
+                        <a:t>+20.83</a:t>
+                      </a:r>
+                    </a:p>
+                  </a:txBody>
+                  <a:tcPr/>
+                </a:tc>
+                <a:extLst>
+                  <a:ext uri="{0D108BD9-81ED-4DB2-BD59-A6C34878D82A}">
+                    <a16:rowId xmlns:a16="http://schemas.microsoft.com/office/drawing/2014/main" val="555430331"/>
+                  </a:ext>
+                </a:extLst>
+              </a:tr>
+              <a:tr h="422421">
+                <a:tc>
+                  <a:txBody>
+                    <a:bodyPr/>
+                    <a:lstStyle/>
+                    <a:p>
+                      <a:r>
+                        <a:rPr lang="en-US" dirty="0"/>
+                        <a:t>TRANSFORM Electronics ×5</a:t>
+                      </a:r>
+                    </a:p>
+                  </a:txBody>
+                  <a:tcPr/>
+                </a:tc>
+                <a:tc>
+                  <a:txBody>
+                    <a:bodyPr/>
+                    <a:lstStyle/>
+                    <a:p>
+                      <a:pPr algn="l"/>
+                      <a:r>
+                        <a:rPr lang="en-US" dirty="0"/>
+                        <a:t>+6.20</a:t>
+                      </a:r>
+                    </a:p>
+                  </a:txBody>
+                  <a:tcPr anchor="ctr"/>
+                </a:tc>
+                <a:extLst>
+                  <a:ext uri="{0D108BD9-81ED-4DB2-BD59-A6C34878D82A}">
+                    <a16:rowId xmlns:a16="http://schemas.microsoft.com/office/drawing/2014/main" val="703856698"/>
+                  </a:ext>
+                </a:extLst>
+              </a:tr>
+              <a:tr h="370840">
+                <a:tc>
+                  <a:txBody>
+                    <a:bodyPr/>
+                    <a:lstStyle/>
+                    <a:p>
+                      <a:r>
+                        <a:rPr lang="en-US" dirty="0"/>
+                        <a:t>TRANSFER </a:t>
+                      </a:r>
+                      <a:r>
+                        <a:rPr lang="en-US" dirty="0" err="1"/>
+                        <a:t>AvailableLand</a:t>
+                      </a:r>
+                      <a:r>
+                        <a:rPr lang="en-US" dirty="0"/>
+                        <a:t> → ∗</a:t>
+                      </a:r>
+                    </a:p>
+                  </a:txBody>
+                  <a:tcPr/>
+                </a:tc>
+                <a:tc>
+                  <a:txBody>
+                    <a:bodyPr/>
+                    <a:lstStyle/>
+                    <a:p>
+                      <a:r>
+                        <a:rPr lang="en-US" dirty="0"/>
+                        <a:t>–3.75</a:t>
+                      </a:r>
+                    </a:p>
+                  </a:txBody>
+                  <a:tcPr/>
+                </a:tc>
+                <a:extLst>
+                  <a:ext uri="{0D108BD9-81ED-4DB2-BD59-A6C34878D82A}">
+                    <a16:rowId xmlns:a16="http://schemas.microsoft.com/office/drawing/2014/main" val="1124964189"/>
+                  </a:ext>
+                </a:extLst>
+              </a:tr>
+            </a:tbl>
+          </a:graphicData>
+        </a:graphic>
+      </p:graphicFrame>
+    </p:spTree>
+    <p:extLst>
+      <p:ext uri="{BB962C8B-B14F-4D97-AF65-F5344CB8AC3E}">
+        <p14:creationId xmlns:p14="http://schemas.microsoft.com/office/powerpoint/2010/main" val="4026718948"/>
+      </p:ext>
+    </p:extLst>
+  </p:cSld>
+  <p:clrMapOvr>
+    <a:overrideClrMapping bg1="dk1" tx1="lt1" bg2="dk2" tx2="lt2" accent1="accent1" accent2="accent2" accent3="accent3" accent4="accent4" accent5="accent5" accent6="accent6" hlink="hlink" folHlink="folHlink"/>
+  </p:clrMapOvr>
+</p:sld>
+</file>
+
+<file path=ppt/slides/slide6.xml><?xml version="1.0" encoding="utf-8"?>
+<p:sld xmlns:a="http://schemas.openxmlformats.org/drawingml/2006/main" xmlns:r="http://schemas.openxmlformats.org/officeDocument/2006/relationships" xmlns:p="http://schemas.openxmlformats.org/presentationml/2006/main">
+  <p:cSld>
+    <p:bg>
+      <p:bgPr>
+        <a:solidFill>
+          <a:schemeClr val="bg1"/>
+        </a:solidFill>
+        <a:effectLst/>
+      </p:bgPr>
+    </p:bg>
+    <p:spTree>
+      <p:nvGrpSpPr>
+        <p:cNvPr id="1" name="">
+          <a:extLst>
+            <a:ext uri="{FF2B5EF4-FFF2-40B4-BE49-F238E27FC236}">
+              <a16:creationId xmlns:a16="http://schemas.microsoft.com/office/drawing/2014/main" id="{384E3A53-7F68-B3FC-5487-10EABB7C8E15}"/>
+            </a:ext>
+          </a:extLst>
+        </p:cNvPr>
+        <p:cNvGrpSpPr/>
+        <p:nvPr/>
+      </p:nvGrpSpPr>
+      <p:grpSpPr>
+        <a:xfrm>
+          <a:off x="0" y="0"/>
+          <a:ext cx="0" cy="0"/>
+          <a:chOff x="0" y="0"/>
+          <a:chExt cx="0" cy="0"/>
+        </a:xfrm>
+      </p:grpSpPr>
+      <p:pic>
+        <p:nvPicPr>
+          <p:cNvPr id="4" name="Picture 3" descr="Abstract background of mesh">
+            <a:extLst>
+              <a:ext uri="{FF2B5EF4-FFF2-40B4-BE49-F238E27FC236}">
+                <a16:creationId xmlns:a16="http://schemas.microsoft.com/office/drawing/2014/main" id="{130DB33C-0EBF-7DB1-5F7E-3BE2CE33E72A}"/>
+              </a:ext>
+            </a:extLst>
+          </p:cNvPr>
+          <p:cNvPicPr>
+            <a:picLocks noChangeAspect="1"/>
+          </p:cNvPicPr>
+          <p:nvPr/>
+        </p:nvPicPr>
+        <p:blipFill>
+          <a:blip r:embed="rId2"/>
+          <a:srcRect b="15730"/>
+          <a:stretch>
+            <a:fillRect/>
+          </a:stretch>
+        </p:blipFill>
+        <p:spPr>
+          <a:xfrm>
+            <a:off x="20" y="10"/>
+            <a:ext cx="12191979" cy="6857990"/>
+          </a:xfrm>
+          <a:prstGeom prst="rect">
+            <a:avLst/>
+          </a:prstGeom>
+          <a:ln>
+            <a:solidFill>
+              <a:srgbClr val="CC9900"/>
+            </a:solidFill>
+          </a:ln>
+        </p:spPr>
+      </p:pic>
+      <p:sp>
+        <p:nvSpPr>
+          <p:cNvPr id="2" name="Title 1">
+            <a:extLst>
+              <a:ext uri="{FF2B5EF4-FFF2-40B4-BE49-F238E27FC236}">
+                <a16:creationId xmlns:a16="http://schemas.microsoft.com/office/drawing/2014/main" id="{E4C27F9B-36FB-936A-626F-3B5385CDE6FC}"/>
+              </a:ext>
+            </a:extLst>
+          </p:cNvPr>
+          <p:cNvSpPr>
+            <a:spLocks noGrp="1"/>
+          </p:cNvSpPr>
+          <p:nvPr>
+            <p:ph type="ctrTitle"/>
+          </p:nvPr>
+        </p:nvSpPr>
+        <p:spPr>
+          <a:xfrm>
+            <a:off x="320039" y="255830"/>
+            <a:ext cx="6071334" cy="1205325"/>
+          </a:xfrm>
+          <a:ln>
+            <a:solidFill>
+              <a:srgbClr val="CC9900"/>
+            </a:solidFill>
+          </a:ln>
+        </p:spPr>
+        <p:txBody>
+          <a:bodyPr anchor="t">
+            <a:normAutofit fontScale="90000"/>
+          </a:bodyPr>
+          <a:lstStyle/>
+          <a:p>
+            <a:pPr algn="ctr"/>
+            <a:r>
+              <a:rPr lang="en-US" sz="4400" dirty="0">
+                <a:solidFill>
+                  <a:schemeClr val="bg1"/>
+                </a:solidFill>
+              </a:rPr>
+              <a:t>Test Case B – Water-Scarce Atlantis</a:t>
+            </a:r>
+            <a:br>
+              <a:rPr lang="en-US" sz="4400" dirty="0">
+                <a:solidFill>
+                  <a:schemeClr val="bg1"/>
+                </a:solidFill>
+              </a:rPr>
+            </a:br>
+            <a:endParaRPr lang="en-US" sz="4400" dirty="0">
+              <a:solidFill>
+                <a:schemeClr val="bg1"/>
+              </a:solidFill>
+            </a:endParaRPr>
+          </a:p>
+        </p:txBody>
+      </p:sp>
+      <p:sp>
+        <p:nvSpPr>
+          <p:cNvPr id="5" name="TextBox 4">
+            <a:extLst>
+              <a:ext uri="{FF2B5EF4-FFF2-40B4-BE49-F238E27FC236}">
+                <a16:creationId xmlns:a16="http://schemas.microsoft.com/office/drawing/2014/main" id="{8B9C3981-8C96-82D7-B6A4-A482F25913B5}"/>
+              </a:ext>
+            </a:extLst>
+          </p:cNvPr>
+          <p:cNvSpPr txBox="1"/>
+          <p:nvPr/>
+        </p:nvSpPr>
+        <p:spPr>
+          <a:xfrm>
+            <a:off x="320039" y="2117559"/>
+            <a:ext cx="5775961" cy="3139321"/>
+          </a:xfrm>
+          <a:prstGeom prst="rect">
+            <a:avLst/>
+          </a:prstGeom>
+          <a:noFill/>
+          <a:ln>
+            <a:solidFill>
+              <a:srgbClr val="CC9900"/>
+            </a:solidFill>
+          </a:ln>
+        </p:spPr>
+        <p:txBody>
+          <a:bodyPr wrap="square" rtlCol="0">
+            <a:spAutoFit/>
+          </a:bodyPr>
+          <a:lstStyle/>
+          <a:p>
+            <a:pPr marL="342900" marR="0" lvl="0" indent="-342900" algn="l" defTabSz="457200" rtl="0" eaLnBrk="1" fontAlgn="auto" latinLnBrk="0" hangingPunct="1">
+              <a:lnSpc>
+                <a:spcPct val="100000"/>
+              </a:lnSpc>
+              <a:spcBef>
+                <a:spcPts val="0"/>
+              </a:spcBef>
+              <a:spcAft>
+                <a:spcPts val="0"/>
+              </a:spcAft>
+              <a:buClrTx/>
+              <a:buSzTx/>
+              <a:buFont typeface="Arial" panose="020B0604020202020204" pitchFamily="34" charset="0"/>
+              <a:buChar char="•"/>
+              <a:tabLst/>
+              <a:defRPr/>
+            </a:pPr>
+            <a:r>
+              <a:rPr kumimoji="0" lang="en-US" sz="1800" b="0" i="0" u="none" strike="noStrike" kern="1200" cap="none" spc="0" normalizeH="0" baseline="0" noProof="0" dirty="0">
+                <a:ln>
+                  <a:noFill/>
+                </a:ln>
+                <a:solidFill>
+                  <a:prstClr val="black"/>
+                </a:solidFill>
+                <a:effectLst/>
+                <a:uLnTx/>
+                <a:uFillTx/>
+                <a:latin typeface="Impact" panose="020B0806030902050204"/>
+                <a:ea typeface="+mn-ea"/>
+                <a:cs typeface="+mn-cs"/>
+              </a:rPr>
+              <a:t>Case B: we halve Atlantis’s water stock to create pressure to </a:t>
+            </a:r>
+            <a:r>
+              <a:rPr kumimoji="0" lang="en-US" sz="1800" b="0" i="0" u="none" strike="noStrike" kern="1200" cap="none" spc="0" normalizeH="0" baseline="0" noProof="0" dirty="0" err="1">
+                <a:ln>
+                  <a:noFill/>
+                </a:ln>
+                <a:solidFill>
+                  <a:prstClr val="black"/>
+                </a:solidFill>
+                <a:effectLst/>
+                <a:uLnTx/>
+                <a:uFillTx/>
+                <a:latin typeface="Impact" panose="020B0806030902050204"/>
+                <a:ea typeface="+mn-ea"/>
+                <a:cs typeface="+mn-cs"/>
+              </a:rPr>
+              <a:t>trade.Params</a:t>
+            </a:r>
+            <a:r>
+              <a:rPr kumimoji="0" lang="en-US" sz="1800" b="0" i="0" u="none" strike="noStrike" kern="1200" cap="none" spc="0" normalizeH="0" baseline="0" noProof="0" dirty="0">
+                <a:ln>
+                  <a:noFill/>
+                </a:ln>
+                <a:solidFill>
+                  <a:prstClr val="black"/>
+                </a:solidFill>
+                <a:effectLst/>
+                <a:uLnTx/>
+                <a:uFillTx/>
+                <a:latin typeface="Impact" panose="020B0806030902050204"/>
+                <a:ea typeface="+mn-ea"/>
+                <a:cs typeface="+mn-cs"/>
+              </a:rPr>
+              <a:t>: depth 3, beam 100, </a:t>
+            </a:r>
+            <a:r>
+              <a:rPr kumimoji="0" lang="el-GR" sz="1800" b="0" i="0" u="none" strike="noStrike" kern="1200" cap="none" spc="0" normalizeH="0" baseline="0" noProof="0" dirty="0">
+                <a:ln>
+                  <a:noFill/>
+                </a:ln>
+                <a:solidFill>
+                  <a:prstClr val="black"/>
+                </a:solidFill>
+                <a:effectLst/>
+                <a:uLnTx/>
+                <a:uFillTx/>
+                <a:latin typeface="Impact" panose="020B0806030902050204"/>
+                <a:ea typeface="+mn-ea"/>
+                <a:cs typeface="+mn-cs"/>
+              </a:rPr>
+              <a:t>γ 0.95.</a:t>
+            </a:r>
+            <a:endParaRPr kumimoji="0" lang="en-US" sz="1800" b="0" i="0" u="none" strike="noStrike" kern="1200" cap="none" spc="0" normalizeH="0" baseline="0" noProof="0" dirty="0">
+              <a:ln>
+                <a:noFill/>
+              </a:ln>
+              <a:solidFill>
+                <a:prstClr val="black"/>
+              </a:solidFill>
+              <a:effectLst/>
+              <a:uLnTx/>
+              <a:uFillTx/>
+              <a:latin typeface="Impact" panose="020B0806030902050204"/>
+              <a:ea typeface="+mn-ea"/>
+              <a:cs typeface="+mn-cs"/>
+            </a:endParaRPr>
+          </a:p>
+          <a:p>
+            <a:pPr marL="342900" marR="0" lvl="0" indent="-342900" algn="l" defTabSz="457200" rtl="0" eaLnBrk="1" fontAlgn="auto" latinLnBrk="0" hangingPunct="1">
+              <a:lnSpc>
+                <a:spcPct val="100000"/>
+              </a:lnSpc>
+              <a:spcBef>
+                <a:spcPts val="0"/>
+              </a:spcBef>
+              <a:spcAft>
+                <a:spcPts val="0"/>
+              </a:spcAft>
+              <a:buClrTx/>
+              <a:buSzTx/>
+              <a:buFont typeface="Arial" panose="020B0604020202020204" pitchFamily="34" charset="0"/>
+              <a:buChar char="•"/>
+              <a:tabLst/>
+              <a:defRPr/>
+            </a:pPr>
+            <a:endParaRPr lang="en-US" dirty="0">
+              <a:solidFill>
+                <a:prstClr val="black"/>
+              </a:solidFill>
+              <a:latin typeface="Impact" panose="020B0806030902050204"/>
+            </a:endParaRPr>
+          </a:p>
+          <a:p>
+            <a:pPr marL="342900" marR="0" lvl="0" indent="-342900" algn="l" defTabSz="457200" rtl="0" eaLnBrk="1" fontAlgn="auto" latinLnBrk="0" hangingPunct="1">
+              <a:lnSpc>
+                <a:spcPct val="100000"/>
+              </a:lnSpc>
+              <a:spcBef>
+                <a:spcPts val="0"/>
+              </a:spcBef>
+              <a:spcAft>
+                <a:spcPts val="0"/>
+              </a:spcAft>
+              <a:buClrTx/>
+              <a:buSzTx/>
+              <a:buFont typeface="Arial" panose="020B0604020202020204" pitchFamily="34" charset="0"/>
+              <a:buChar char="•"/>
+              <a:tabLst/>
+              <a:defRPr/>
+            </a:pPr>
+            <a:r>
+              <a:rPr kumimoji="0" lang="en-US" sz="1800" b="0" i="0" u="none" strike="noStrike" kern="1200" cap="none" spc="0" normalizeH="0" baseline="0" noProof="0" dirty="0">
+                <a:ln>
+                  <a:noFill/>
+                </a:ln>
+                <a:solidFill>
+                  <a:prstClr val="black"/>
+                </a:solidFill>
+                <a:effectLst/>
+                <a:uLnTx/>
+                <a:uFillTx/>
+                <a:latin typeface="Impact" panose="020B0806030902050204"/>
+                <a:ea typeface="+mn-ea"/>
+                <a:cs typeface="+mn-cs"/>
+              </a:rPr>
+              <a:t>Three-step best schedule:</a:t>
+            </a:r>
+          </a:p>
+          <a:p>
+            <a:pPr marL="342900" marR="0" lvl="0" indent="-342900" algn="l" defTabSz="457200" rtl="0" eaLnBrk="1" fontAlgn="auto" latinLnBrk="0" hangingPunct="1">
+              <a:lnSpc>
+                <a:spcPct val="100000"/>
+              </a:lnSpc>
+              <a:spcBef>
+                <a:spcPts val="0"/>
+              </a:spcBef>
+              <a:spcAft>
+                <a:spcPts val="0"/>
+              </a:spcAft>
+              <a:buClrTx/>
+              <a:buSzTx/>
+              <a:buFont typeface="Arial" panose="020B0604020202020204" pitchFamily="34" charset="0"/>
+              <a:buChar char="•"/>
+              <a:tabLst/>
+              <a:defRPr/>
+            </a:pPr>
+            <a:endParaRPr kumimoji="0" lang="en-US" sz="1800" b="0" i="0" u="none" strike="noStrike" kern="1200" cap="none" spc="0" normalizeH="0" baseline="0" noProof="0" dirty="0">
+              <a:ln>
+                <a:noFill/>
+              </a:ln>
+              <a:solidFill>
+                <a:prstClr val="black"/>
+              </a:solidFill>
+              <a:effectLst/>
+              <a:uLnTx/>
+              <a:uFillTx/>
+              <a:latin typeface="Impact" panose="020B0806030902050204"/>
+              <a:ea typeface="+mn-ea"/>
+              <a:cs typeface="+mn-cs"/>
+            </a:endParaRPr>
+          </a:p>
+          <a:p>
+            <a:pPr marL="342900" marR="0" lvl="0" indent="-342900" algn="l" defTabSz="457200" rtl="0" eaLnBrk="1" fontAlgn="auto" latinLnBrk="0" hangingPunct="1">
+              <a:lnSpc>
+                <a:spcPct val="100000"/>
+              </a:lnSpc>
+              <a:spcBef>
+                <a:spcPts val="0"/>
+              </a:spcBef>
+              <a:spcAft>
+                <a:spcPts val="0"/>
+              </a:spcAft>
+              <a:buClrTx/>
+              <a:buSzTx/>
+              <a:buFont typeface="+mj-lt"/>
+              <a:buAutoNum type="arabicPeriod"/>
+              <a:tabLst/>
+              <a:defRPr/>
+            </a:pPr>
+            <a:r>
+              <a:rPr kumimoji="0" lang="en-US" sz="1800" b="0" i="0" u="none" strike="noStrike" kern="1200" cap="none" spc="0" normalizeH="0" baseline="0" noProof="0" dirty="0">
+                <a:ln>
+                  <a:noFill/>
+                </a:ln>
+                <a:solidFill>
+                  <a:prstClr val="black"/>
+                </a:solidFill>
+                <a:effectLst/>
+                <a:uLnTx/>
+                <a:uFillTx/>
+                <a:latin typeface="Impact" panose="020B0806030902050204"/>
+                <a:ea typeface="+mn-ea"/>
+                <a:cs typeface="+mn-cs"/>
+              </a:rPr>
+              <a:t>TRANSFER Water 50 from </a:t>
+            </a:r>
+            <a:r>
+              <a:rPr kumimoji="0" lang="en-US" sz="1800" b="0" i="0" u="none" strike="noStrike" kern="1200" cap="none" spc="0" normalizeH="0" baseline="0" noProof="0" dirty="0" err="1">
+                <a:ln>
+                  <a:noFill/>
+                </a:ln>
+                <a:solidFill>
+                  <a:prstClr val="black"/>
+                </a:solidFill>
+                <a:effectLst/>
+                <a:uLnTx/>
+                <a:uFillTx/>
+                <a:latin typeface="Impact" panose="020B0806030902050204"/>
+                <a:ea typeface="+mn-ea"/>
+                <a:cs typeface="+mn-cs"/>
+              </a:rPr>
+              <a:t>Dinotopia</a:t>
+            </a:r>
+            <a:r>
+              <a:rPr kumimoji="0" lang="en-US" sz="1800" b="0" i="0" u="none" strike="noStrike" kern="1200" cap="none" spc="0" normalizeH="0" baseline="0" noProof="0" dirty="0">
+                <a:ln>
+                  <a:noFill/>
+                </a:ln>
+                <a:solidFill>
+                  <a:prstClr val="black"/>
+                </a:solidFill>
+                <a:effectLst/>
+                <a:uLnTx/>
+                <a:uFillTx/>
+                <a:latin typeface="Impact" panose="020B0806030902050204"/>
+                <a:ea typeface="+mn-ea"/>
+                <a:cs typeface="+mn-cs"/>
+              </a:rPr>
+              <a:t> to Atlantis (EU +12)</a:t>
+            </a:r>
+          </a:p>
+          <a:p>
+            <a:pPr marL="342900" marR="0" lvl="0" indent="-342900" algn="l" defTabSz="457200" rtl="0" eaLnBrk="1" fontAlgn="auto" latinLnBrk="0" hangingPunct="1">
+              <a:lnSpc>
+                <a:spcPct val="100000"/>
+              </a:lnSpc>
+              <a:spcBef>
+                <a:spcPts val="0"/>
+              </a:spcBef>
+              <a:spcAft>
+                <a:spcPts val="0"/>
+              </a:spcAft>
+              <a:buClrTx/>
+              <a:buSzTx/>
+              <a:buFont typeface="+mj-lt"/>
+              <a:buAutoNum type="arabicPeriod"/>
+              <a:tabLst/>
+              <a:defRPr/>
+            </a:pPr>
+            <a:endParaRPr kumimoji="0" lang="en-US" sz="1800" b="0" i="0" u="none" strike="noStrike" kern="1200" cap="none" spc="0" normalizeH="0" baseline="0" noProof="0" dirty="0">
+              <a:ln>
+                <a:noFill/>
+              </a:ln>
+              <a:solidFill>
+                <a:prstClr val="black"/>
+              </a:solidFill>
+              <a:effectLst/>
+              <a:uLnTx/>
+              <a:uFillTx/>
+              <a:latin typeface="Impact" panose="020B0806030902050204"/>
+              <a:ea typeface="+mn-ea"/>
+              <a:cs typeface="+mn-cs"/>
+            </a:endParaRPr>
+          </a:p>
+          <a:p>
+            <a:pPr marL="342900" marR="0" lvl="0" indent="-342900" algn="l" defTabSz="457200" rtl="0" eaLnBrk="1" fontAlgn="auto" latinLnBrk="0" hangingPunct="1">
+              <a:lnSpc>
+                <a:spcPct val="100000"/>
+              </a:lnSpc>
+              <a:spcBef>
+                <a:spcPts val="0"/>
+              </a:spcBef>
+              <a:spcAft>
+                <a:spcPts val="0"/>
+              </a:spcAft>
+              <a:buClrTx/>
+              <a:buSzTx/>
+              <a:buFont typeface="+mj-lt"/>
+              <a:buAutoNum type="arabicPeriod"/>
+              <a:tabLst/>
+              <a:defRPr/>
+            </a:pPr>
+            <a:r>
+              <a:rPr kumimoji="0" lang="en-US" sz="1800" b="0" i="0" u="none" strike="noStrike" kern="1200" cap="none" spc="0" normalizeH="0" baseline="0" noProof="0" dirty="0">
+                <a:ln>
+                  <a:noFill/>
+                </a:ln>
+                <a:solidFill>
+                  <a:prstClr val="black"/>
+                </a:solidFill>
+                <a:effectLst/>
+                <a:uLnTx/>
+                <a:uFillTx/>
+                <a:latin typeface="Impact" panose="020B0806030902050204"/>
+                <a:ea typeface="+mn-ea"/>
+                <a:cs typeface="+mn-cs"/>
+              </a:rPr>
+              <a:t>TRANSFORM Housing ×10 in Atlantis (EU +38)</a:t>
+            </a:r>
+          </a:p>
+          <a:p>
+            <a:pPr marL="342900" marR="0" lvl="0" indent="-342900" algn="l" defTabSz="457200" rtl="0" eaLnBrk="1" fontAlgn="auto" latinLnBrk="0" hangingPunct="1">
+              <a:lnSpc>
+                <a:spcPct val="100000"/>
+              </a:lnSpc>
+              <a:spcBef>
+                <a:spcPts val="0"/>
+              </a:spcBef>
+              <a:spcAft>
+                <a:spcPts val="0"/>
+              </a:spcAft>
+              <a:buClrTx/>
+              <a:buSzTx/>
+              <a:buFont typeface="+mj-lt"/>
+              <a:buAutoNum type="arabicPeriod"/>
+              <a:tabLst/>
+              <a:defRPr/>
+            </a:pPr>
+            <a:endParaRPr kumimoji="0" lang="en-US" sz="1800" b="0" i="0" u="none" strike="noStrike" kern="1200" cap="none" spc="0" normalizeH="0" baseline="0" noProof="0" dirty="0">
+              <a:ln>
+                <a:noFill/>
+              </a:ln>
+              <a:solidFill>
+                <a:prstClr val="black"/>
+              </a:solidFill>
+              <a:effectLst/>
+              <a:uLnTx/>
+              <a:uFillTx/>
+              <a:latin typeface="Impact" panose="020B0806030902050204"/>
+              <a:ea typeface="+mn-ea"/>
+              <a:cs typeface="+mn-cs"/>
+            </a:endParaRPr>
+          </a:p>
+          <a:p>
+            <a:pPr marL="342900" marR="0" lvl="0" indent="-342900" algn="l" defTabSz="457200" rtl="0" eaLnBrk="1" fontAlgn="auto" latinLnBrk="0" hangingPunct="1">
+              <a:lnSpc>
+                <a:spcPct val="100000"/>
+              </a:lnSpc>
+              <a:spcBef>
+                <a:spcPts val="0"/>
+              </a:spcBef>
+              <a:spcAft>
+                <a:spcPts val="0"/>
+              </a:spcAft>
+              <a:buClrTx/>
+              <a:buSzTx/>
+              <a:buFont typeface="+mj-lt"/>
+              <a:buAutoNum type="arabicPeriod"/>
+              <a:tabLst/>
+              <a:defRPr/>
+            </a:pPr>
+            <a:r>
+              <a:rPr kumimoji="0" lang="en-US" sz="1800" b="0" i="0" u="none" strike="noStrike" kern="1200" cap="none" spc="0" normalizeH="0" baseline="0" noProof="0" dirty="0">
+                <a:ln>
+                  <a:noFill/>
+                </a:ln>
+                <a:solidFill>
+                  <a:prstClr val="black"/>
+                </a:solidFill>
+                <a:effectLst/>
+                <a:uLnTx/>
+                <a:uFillTx/>
+                <a:latin typeface="Impact" panose="020B0806030902050204"/>
+                <a:ea typeface="+mn-ea"/>
+                <a:cs typeface="+mn-cs"/>
+              </a:rPr>
+              <a:t>TRANSFER Housing 5 back to </a:t>
+            </a:r>
+            <a:r>
+              <a:rPr kumimoji="0" lang="en-US" sz="1800" b="0" i="0" u="none" strike="noStrike" kern="1200" cap="none" spc="0" normalizeH="0" baseline="0" noProof="0" dirty="0" err="1">
+                <a:ln>
+                  <a:noFill/>
+                </a:ln>
+                <a:solidFill>
+                  <a:prstClr val="black"/>
+                </a:solidFill>
+                <a:effectLst/>
+                <a:uLnTx/>
+                <a:uFillTx/>
+                <a:latin typeface="Impact" panose="020B0806030902050204"/>
+                <a:ea typeface="+mn-ea"/>
+                <a:cs typeface="+mn-cs"/>
+              </a:rPr>
+              <a:t>Dinotopia</a:t>
+            </a:r>
+            <a:r>
+              <a:rPr kumimoji="0" lang="en-US" sz="1800" b="0" i="0" u="none" strike="noStrike" kern="1200" cap="none" spc="0" normalizeH="0" baseline="0" noProof="0" dirty="0">
+                <a:ln>
+                  <a:noFill/>
+                </a:ln>
+                <a:solidFill>
+                  <a:prstClr val="black"/>
+                </a:solidFill>
+                <a:effectLst/>
+                <a:uLnTx/>
+                <a:uFillTx/>
+                <a:latin typeface="Impact" panose="020B0806030902050204"/>
+                <a:ea typeface="+mn-ea"/>
+                <a:cs typeface="+mn-cs"/>
+              </a:rPr>
+              <a:t> (EU +45)</a:t>
+            </a:r>
+          </a:p>
+          <a:p>
+            <a:pPr marL="342900" marR="0" lvl="0" indent="-342900" algn="l" defTabSz="457200" rtl="0" eaLnBrk="1" fontAlgn="auto" latinLnBrk="0" hangingPunct="1">
+              <a:lnSpc>
+                <a:spcPct val="100000"/>
+              </a:lnSpc>
+              <a:spcBef>
+                <a:spcPts val="0"/>
+              </a:spcBef>
+              <a:spcAft>
+                <a:spcPts val="0"/>
+              </a:spcAft>
+              <a:buClrTx/>
+              <a:buSzTx/>
+              <a:buFont typeface="+mj-lt"/>
+              <a:buAutoNum type="arabicPeriod"/>
+              <a:tabLst/>
+              <a:defRPr/>
+            </a:pPr>
+            <a:endParaRPr kumimoji="0" lang="en-US" sz="1800" b="0" i="0" u="none" strike="noStrike" kern="1200" cap="none" spc="0" normalizeH="0" baseline="0" noProof="0" dirty="0">
+              <a:ln>
+                <a:noFill/>
+              </a:ln>
+              <a:solidFill>
+                <a:prstClr val="black"/>
+              </a:solidFill>
+              <a:effectLst/>
+              <a:uLnTx/>
+              <a:uFillTx/>
+              <a:latin typeface="Neue Haas Grotesk Text Pro"/>
+              <a:ea typeface="+mn-ea"/>
+              <a:cs typeface="+mn-cs"/>
+            </a:endParaRPr>
+          </a:p>
+        </p:txBody>
+      </p:sp>
+      <p:pic>
+        <p:nvPicPr>
+          <p:cNvPr id="3" name="Picture 2">
+            <a:extLst>
+              <a:ext uri="{FF2B5EF4-FFF2-40B4-BE49-F238E27FC236}">
+                <a16:creationId xmlns:a16="http://schemas.microsoft.com/office/drawing/2014/main" id="{364A07B5-2C91-5EA8-B954-F94161C09EBF}"/>
+              </a:ext>
+            </a:extLst>
+          </p:cNvPr>
+          <p:cNvPicPr>
+            <a:picLocks noChangeAspect="1"/>
+          </p:cNvPicPr>
+          <p:nvPr/>
+        </p:nvPicPr>
+        <p:blipFill>
+          <a:blip r:embed="rId3"/>
+          <a:stretch>
+            <a:fillRect/>
+          </a:stretch>
+        </p:blipFill>
+        <p:spPr>
+          <a:xfrm>
+            <a:off x="9552003" y="5529032"/>
+            <a:ext cx="2639977" cy="1328968"/>
+          </a:xfrm>
+          <a:prstGeom prst="rect">
+            <a:avLst/>
+          </a:prstGeom>
+        </p:spPr>
+      </p:pic>
+    </p:spTree>
+    <p:extLst>
+      <p:ext uri="{BB962C8B-B14F-4D97-AF65-F5344CB8AC3E}">
+        <p14:creationId xmlns:p14="http://schemas.microsoft.com/office/powerpoint/2010/main" val="3411550714"/>
+      </p:ext>
+    </p:extLst>
+  </p:cSld>
+  <p:clrMapOvr>
+    <a:overrideClrMapping bg1="dk1" tx1="lt1" bg2="dk2" tx2="lt2" accent1="accent1" accent2="accent2" accent3="accent3" accent4="accent4" accent5="accent5" accent6="accent6" hlink="hlink" folHlink="folHlink"/>
+  </p:clrMapOvr>
+</p:sld>
+</file>
+
+<file path=ppt/slides/slide7.xml><?xml version="1.0" encoding="utf-8"?>
+<p:sld xmlns:a="http://schemas.openxmlformats.org/drawingml/2006/main" xmlns:r="http://schemas.openxmlformats.org/officeDocument/2006/relationships" xmlns:p="http://schemas.openxmlformats.org/presentationml/2006/main">
+  <p:cSld>
+    <p:bg>
+      <p:bgPr>
+        <a:solidFill>
+          <a:schemeClr val="bg1"/>
+        </a:solidFill>
+        <a:effectLst/>
+      </p:bgPr>
+    </p:bg>
+    <p:spTree>
+      <p:nvGrpSpPr>
+        <p:cNvPr id="1" name="">
+          <a:extLst>
+            <a:ext uri="{FF2B5EF4-FFF2-40B4-BE49-F238E27FC236}">
+              <a16:creationId xmlns:a16="http://schemas.microsoft.com/office/drawing/2014/main" id="{7F9427F6-9EE8-BCFC-C088-A1D4CE70A44B}"/>
+            </a:ext>
+          </a:extLst>
+        </p:cNvPr>
+        <p:cNvGrpSpPr/>
+        <p:nvPr/>
+      </p:nvGrpSpPr>
+      <p:grpSpPr>
+        <a:xfrm>
+          <a:off x="0" y="0"/>
+          <a:ext cx="0" cy="0"/>
+          <a:chOff x="0" y="0"/>
+          <a:chExt cx="0" cy="0"/>
+        </a:xfrm>
+      </p:grpSpPr>
+      <p:pic>
+        <p:nvPicPr>
+          <p:cNvPr id="4" name="Picture 3" descr="Abstract background of mesh">
+            <a:extLst>
+              <a:ext uri="{FF2B5EF4-FFF2-40B4-BE49-F238E27FC236}">
+                <a16:creationId xmlns:a16="http://schemas.microsoft.com/office/drawing/2014/main" id="{71D7E1D0-8C4A-F2CC-776E-0698F8581D7B}"/>
+              </a:ext>
+            </a:extLst>
+          </p:cNvPr>
+          <p:cNvPicPr>
+            <a:picLocks noChangeAspect="1"/>
+          </p:cNvPicPr>
+          <p:nvPr/>
+        </p:nvPicPr>
+        <p:blipFill>
+          <a:blip r:embed="rId2"/>
+          <a:srcRect b="15730"/>
+          <a:stretch>
+            <a:fillRect/>
+          </a:stretch>
+        </p:blipFill>
+        <p:spPr>
+          <a:xfrm>
+            <a:off x="20" y="10"/>
+            <a:ext cx="12191979" cy="6857990"/>
+          </a:xfrm>
+          <a:prstGeom prst="rect">
+            <a:avLst/>
+          </a:prstGeom>
+          <a:ln>
+            <a:solidFill>
+              <a:srgbClr val="CC9900"/>
+            </a:solidFill>
+          </a:ln>
+        </p:spPr>
+      </p:pic>
+      <p:sp>
+        <p:nvSpPr>
+          <p:cNvPr id="2" name="Title 1">
+            <a:extLst>
+              <a:ext uri="{FF2B5EF4-FFF2-40B4-BE49-F238E27FC236}">
+                <a16:creationId xmlns:a16="http://schemas.microsoft.com/office/drawing/2014/main" id="{F659FE80-E270-BD31-D3D0-C464D332135D}"/>
+              </a:ext>
+            </a:extLst>
+          </p:cNvPr>
+          <p:cNvSpPr>
+            <a:spLocks noGrp="1"/>
+          </p:cNvSpPr>
+          <p:nvPr>
+            <p:ph type="ctrTitle"/>
+          </p:nvPr>
+        </p:nvSpPr>
+        <p:spPr>
+          <a:xfrm>
+            <a:off x="320039" y="255831"/>
+            <a:ext cx="6071334" cy="823940"/>
+          </a:xfrm>
+          <a:ln>
+            <a:solidFill>
+              <a:srgbClr val="CC9900"/>
+            </a:solidFill>
+          </a:ln>
+        </p:spPr>
+        <p:txBody>
+          <a:bodyPr anchor="t">
+            <a:normAutofit fontScale="90000"/>
+          </a:bodyPr>
+          <a:lstStyle/>
+          <a:p>
+            <a:pPr algn="ctr"/>
+            <a:r>
+              <a:rPr lang="en-US" sz="4400" dirty="0">
+                <a:solidFill>
+                  <a:schemeClr val="bg1"/>
+                </a:solidFill>
+              </a:rPr>
+              <a:t>Anytime Behavior</a:t>
+            </a:r>
+            <a:br>
+              <a:rPr lang="en-US" sz="4400" dirty="0">
+                <a:solidFill>
+                  <a:schemeClr val="bg1"/>
+                </a:solidFill>
+              </a:rPr>
+            </a:br>
+            <a:endParaRPr lang="en-US" sz="4400" dirty="0">
+              <a:solidFill>
+                <a:schemeClr val="bg1"/>
+              </a:solidFill>
+            </a:endParaRPr>
+          </a:p>
+        </p:txBody>
+      </p:sp>
+      <p:sp>
+        <p:nvSpPr>
+          <p:cNvPr id="5" name="TextBox 4">
+            <a:extLst>
+              <a:ext uri="{FF2B5EF4-FFF2-40B4-BE49-F238E27FC236}">
+                <a16:creationId xmlns:a16="http://schemas.microsoft.com/office/drawing/2014/main" id="{9C2F7A9B-4385-2FE8-0780-CCFBD779726E}"/>
+              </a:ext>
+            </a:extLst>
+          </p:cNvPr>
+          <p:cNvSpPr txBox="1"/>
+          <p:nvPr/>
+        </p:nvSpPr>
+        <p:spPr>
+          <a:xfrm>
+            <a:off x="320039" y="2117559"/>
+            <a:ext cx="5775961" cy="3139321"/>
+          </a:xfrm>
+          <a:prstGeom prst="rect">
+            <a:avLst/>
+          </a:prstGeom>
+          <a:noFill/>
+          <a:ln>
+            <a:solidFill>
+              <a:srgbClr val="CC9900"/>
+            </a:solidFill>
+          </a:ln>
+        </p:spPr>
+        <p:txBody>
+          <a:bodyPr wrap="square" rtlCol="0">
+            <a:spAutoFit/>
+          </a:bodyPr>
+          <a:lstStyle/>
+          <a:p>
+            <a:pPr marL="342900" marR="0" lvl="0" indent="-342900" algn="l" defTabSz="457200" rtl="0" eaLnBrk="1" fontAlgn="auto" latinLnBrk="0" hangingPunct="1">
+              <a:lnSpc>
+                <a:spcPct val="100000"/>
+              </a:lnSpc>
+              <a:spcBef>
+                <a:spcPts val="0"/>
+              </a:spcBef>
+              <a:spcAft>
+                <a:spcPts val="0"/>
+              </a:spcAft>
+              <a:buClrTx/>
+              <a:buSzTx/>
+              <a:buFont typeface="Arial" panose="020B0604020202020204" pitchFamily="34" charset="0"/>
+              <a:buChar char="•"/>
+              <a:tabLst/>
+              <a:defRPr/>
+            </a:pPr>
+            <a:r>
+              <a:rPr kumimoji="0" lang="en-US" sz="1800" b="0" i="0" u="none" strike="noStrike" kern="1200" cap="none" spc="0" normalizeH="0" baseline="0" noProof="0" dirty="0">
+                <a:ln>
+                  <a:noFill/>
+                </a:ln>
+                <a:solidFill>
+                  <a:prstClr val="black"/>
+                </a:solidFill>
+                <a:effectLst/>
+                <a:uLnTx/>
+                <a:uFillTx/>
+                <a:latin typeface="Impact" panose="020B0806030902050204"/>
+                <a:ea typeface="+mn-ea"/>
+                <a:cs typeface="+mn-cs"/>
+              </a:rPr>
+              <a:t>Scatter plot on the right: y-axis EU, x-axis ‘time found’.▸</a:t>
+            </a:r>
+          </a:p>
+          <a:p>
+            <a:pPr marL="342900" marR="0" lvl="0" indent="-342900" algn="l" defTabSz="457200" rtl="0" eaLnBrk="1" fontAlgn="auto" latinLnBrk="0" hangingPunct="1">
+              <a:lnSpc>
+                <a:spcPct val="100000"/>
+              </a:lnSpc>
+              <a:spcBef>
+                <a:spcPts val="0"/>
+              </a:spcBef>
+              <a:spcAft>
+                <a:spcPts val="0"/>
+              </a:spcAft>
+              <a:buClrTx/>
+              <a:buSzTx/>
+              <a:buFont typeface="Arial" panose="020B0604020202020204" pitchFamily="34" charset="0"/>
+              <a:buChar char="•"/>
+              <a:tabLst/>
+              <a:defRPr/>
+            </a:pPr>
+            <a:endParaRPr lang="en-US" dirty="0">
+              <a:solidFill>
+                <a:prstClr val="black"/>
+              </a:solidFill>
+              <a:latin typeface="Impact" panose="020B0806030902050204"/>
+            </a:endParaRPr>
+          </a:p>
+          <a:p>
+            <a:pPr marL="342900" marR="0" lvl="0" indent="-342900" algn="l" defTabSz="457200" rtl="0" eaLnBrk="1" fontAlgn="auto" latinLnBrk="0" hangingPunct="1">
+              <a:lnSpc>
+                <a:spcPct val="100000"/>
+              </a:lnSpc>
+              <a:spcBef>
+                <a:spcPts val="0"/>
+              </a:spcBef>
+              <a:spcAft>
+                <a:spcPts val="0"/>
+              </a:spcAft>
+              <a:buClrTx/>
+              <a:buSzTx/>
+              <a:buFont typeface="Arial" panose="020B0604020202020204" pitchFamily="34" charset="0"/>
+              <a:buChar char="•"/>
+              <a:tabLst/>
+              <a:defRPr/>
+            </a:pPr>
+            <a:r>
+              <a:rPr kumimoji="0" lang="en-US" sz="1800" b="0" i="0" u="none" strike="noStrike" kern="1200" cap="none" spc="0" normalizeH="0" baseline="0" noProof="0" dirty="0">
+                <a:ln>
+                  <a:noFill/>
+                </a:ln>
+                <a:solidFill>
+                  <a:prstClr val="black"/>
+                </a:solidFill>
+                <a:effectLst/>
+                <a:uLnTx/>
+                <a:uFillTx/>
+                <a:latin typeface="Impact" panose="020B0806030902050204"/>
+                <a:ea typeface="+mn-ea"/>
+                <a:cs typeface="+mn-cs"/>
+              </a:rPr>
+              <a:t>Good schedules cluster early—beam search is behaving like a proper anytime planner.</a:t>
+            </a:r>
+          </a:p>
+          <a:p>
+            <a:pPr marL="342900" marR="0" lvl="0" indent="-342900" algn="l" defTabSz="457200" rtl="0" eaLnBrk="1" fontAlgn="auto" latinLnBrk="0" hangingPunct="1">
+              <a:lnSpc>
+                <a:spcPct val="100000"/>
+              </a:lnSpc>
+              <a:spcBef>
+                <a:spcPts val="0"/>
+              </a:spcBef>
+              <a:spcAft>
+                <a:spcPts val="0"/>
+              </a:spcAft>
+              <a:buClrTx/>
+              <a:buSzTx/>
+              <a:buFont typeface="Arial" panose="020B0604020202020204" pitchFamily="34" charset="0"/>
+              <a:buChar char="•"/>
+              <a:tabLst/>
+              <a:defRPr/>
+            </a:pPr>
+            <a:endParaRPr lang="en-US" dirty="0">
+              <a:solidFill>
+                <a:prstClr val="black"/>
+              </a:solidFill>
+              <a:latin typeface="Impact" panose="020B0806030902050204"/>
+            </a:endParaRPr>
+          </a:p>
+          <a:p>
+            <a:pPr marL="342900" marR="0" lvl="0" indent="-342900" algn="l" defTabSz="457200" rtl="0" eaLnBrk="1" fontAlgn="auto" latinLnBrk="0" hangingPunct="1">
+              <a:lnSpc>
+                <a:spcPct val="100000"/>
+              </a:lnSpc>
+              <a:spcBef>
+                <a:spcPts val="0"/>
+              </a:spcBef>
+              <a:spcAft>
+                <a:spcPts val="0"/>
+              </a:spcAft>
+              <a:buClrTx/>
+              <a:buSzTx/>
+              <a:buFont typeface="Arial" panose="020B0604020202020204" pitchFamily="34" charset="0"/>
+              <a:buChar char="•"/>
+              <a:tabLst/>
+              <a:defRPr/>
+            </a:pPr>
+            <a:r>
+              <a:rPr kumimoji="0" lang="en-US" sz="1800" b="0" i="0" u="none" strike="noStrike" kern="1200" cap="none" spc="0" normalizeH="0" baseline="0" noProof="0" dirty="0">
+                <a:ln>
+                  <a:noFill/>
+                </a:ln>
+                <a:solidFill>
+                  <a:prstClr val="black"/>
+                </a:solidFill>
+                <a:effectLst/>
+                <a:uLnTx/>
+                <a:uFillTx/>
+                <a:latin typeface="Impact" panose="020B0806030902050204"/>
+                <a:ea typeface="+mn-ea"/>
+                <a:cs typeface="+mn-cs"/>
+              </a:rPr>
+              <a:t>But after ~60 seconds we still see an occasional jump; that’s deeper chains finally explored.</a:t>
+            </a:r>
+          </a:p>
+          <a:p>
+            <a:pPr marL="342900" marR="0" lvl="0" indent="-342900" algn="l" defTabSz="457200" rtl="0" eaLnBrk="1" fontAlgn="auto" latinLnBrk="0" hangingPunct="1">
+              <a:lnSpc>
+                <a:spcPct val="100000"/>
+              </a:lnSpc>
+              <a:spcBef>
+                <a:spcPts val="0"/>
+              </a:spcBef>
+              <a:spcAft>
+                <a:spcPts val="0"/>
+              </a:spcAft>
+              <a:buClrTx/>
+              <a:buSzTx/>
+              <a:buFont typeface="Arial" panose="020B0604020202020204" pitchFamily="34" charset="0"/>
+              <a:buChar char="•"/>
+              <a:tabLst/>
+              <a:defRPr/>
+            </a:pPr>
+            <a:endParaRPr lang="en-US" dirty="0">
+              <a:solidFill>
+                <a:prstClr val="black"/>
+              </a:solidFill>
+              <a:latin typeface="Impact" panose="020B0806030902050204"/>
+            </a:endParaRPr>
+          </a:p>
+          <a:p>
+            <a:pPr marL="342900" marR="0" lvl="0" indent="-342900" algn="l" defTabSz="457200" rtl="0" eaLnBrk="1" fontAlgn="auto" latinLnBrk="0" hangingPunct="1">
+              <a:lnSpc>
+                <a:spcPct val="100000"/>
+              </a:lnSpc>
+              <a:spcBef>
+                <a:spcPts val="0"/>
+              </a:spcBef>
+              <a:spcAft>
+                <a:spcPts val="0"/>
+              </a:spcAft>
+              <a:buClrTx/>
+              <a:buSzTx/>
+              <a:buFont typeface="Arial" panose="020B0604020202020204" pitchFamily="34" charset="0"/>
+              <a:buChar char="•"/>
+              <a:tabLst/>
+              <a:defRPr/>
+            </a:pPr>
+            <a:r>
+              <a:rPr kumimoji="0" lang="en-US" sz="1800" b="0" i="0" u="none" strike="noStrike" kern="1200" cap="none" spc="0" normalizeH="0" baseline="0" noProof="0" dirty="0">
+                <a:ln>
+                  <a:noFill/>
+                </a:ln>
+                <a:solidFill>
+                  <a:prstClr val="black"/>
+                </a:solidFill>
+                <a:effectLst/>
+                <a:uLnTx/>
+                <a:uFillTx/>
+                <a:latin typeface="Impact" panose="020B0806030902050204"/>
+                <a:ea typeface="+mn-ea"/>
+                <a:cs typeface="+mn-cs"/>
+              </a:rPr>
+              <a:t>Runtime vs. beam width graph: doubling beam roughly doubles memory but sub-linear increase in wall-time because fewer trims → fewer heap operations.</a:t>
+            </a:r>
+            <a:endParaRPr kumimoji="0" lang="en-US" sz="1800" b="0" i="0" u="none" strike="noStrike" kern="1200" cap="none" spc="0" normalizeH="0" baseline="0" noProof="0" dirty="0">
+              <a:ln>
+                <a:noFill/>
+              </a:ln>
+              <a:solidFill>
+                <a:prstClr val="black"/>
+              </a:solidFill>
+              <a:effectLst/>
+              <a:uLnTx/>
+              <a:uFillTx/>
+              <a:latin typeface="Neue Haas Grotesk Text Pro"/>
+              <a:ea typeface="+mn-ea"/>
+              <a:cs typeface="+mn-cs"/>
+            </a:endParaRPr>
+          </a:p>
+        </p:txBody>
+      </p:sp>
+      <p:pic>
+        <p:nvPicPr>
+          <p:cNvPr id="3" name="Picture 2">
+            <a:extLst>
+              <a:ext uri="{FF2B5EF4-FFF2-40B4-BE49-F238E27FC236}">
+                <a16:creationId xmlns:a16="http://schemas.microsoft.com/office/drawing/2014/main" id="{96B742CE-6ADF-A73A-0794-962CB6C0C138}"/>
+              </a:ext>
+            </a:extLst>
+          </p:cNvPr>
+          <p:cNvPicPr>
+            <a:picLocks noChangeAspect="1"/>
+          </p:cNvPicPr>
+          <p:nvPr/>
+        </p:nvPicPr>
+        <p:blipFill>
+          <a:blip r:embed="rId3"/>
+          <a:stretch>
+            <a:fillRect/>
+          </a:stretch>
+        </p:blipFill>
+        <p:spPr>
+          <a:xfrm>
+            <a:off x="9552003" y="5529032"/>
+            <a:ext cx="2639977" cy="1328968"/>
+          </a:xfrm>
+          <a:prstGeom prst="rect">
+            <a:avLst/>
+          </a:prstGeom>
+        </p:spPr>
+      </p:pic>
+    </p:spTree>
+    <p:extLst>
+      <p:ext uri="{BB962C8B-B14F-4D97-AF65-F5344CB8AC3E}">
+        <p14:creationId xmlns:p14="http://schemas.microsoft.com/office/powerpoint/2010/main" val="3805380809"/>
+      </p:ext>
+    </p:extLst>
+  </p:cSld>
+  <p:clrMapOvr>
+    <a:overrideClrMapping bg1="dk1" tx1="lt1" bg2="dk2" tx2="lt2" accent1="accent1" accent2="accent2" accent3="accent3" accent4="accent4" accent5="accent5" accent6="accent6" hlink="hlink" folHlink="folHlink"/>
+  </p:clrMapOvr>
+</p:sld>
+</file>
+
+<file path=ppt/slides/slide8.xml><?xml version="1.0" encoding="utf-8"?>
+<p:sld xmlns:a="http://schemas.openxmlformats.org/drawingml/2006/main" xmlns:r="http://schemas.openxmlformats.org/officeDocument/2006/relationships" xmlns:p="http://schemas.openxmlformats.org/presentationml/2006/main">
+  <p:cSld>
+    <p:bg>
+      <p:bgPr>
+        <a:solidFill>
+          <a:schemeClr val="bg1"/>
+        </a:solidFill>
+        <a:effectLst/>
+      </p:bgPr>
+    </p:bg>
+    <p:spTree>
+      <p:nvGrpSpPr>
+        <p:cNvPr id="1" name="">
+          <a:extLst>
+            <a:ext uri="{FF2B5EF4-FFF2-40B4-BE49-F238E27FC236}">
+              <a16:creationId xmlns:a16="http://schemas.microsoft.com/office/drawing/2014/main" id="{434733D1-25FB-83F7-3496-F6A423B5FB72}"/>
+            </a:ext>
+          </a:extLst>
+        </p:cNvPr>
+        <p:cNvGrpSpPr/>
+        <p:nvPr/>
+      </p:nvGrpSpPr>
+      <p:grpSpPr>
+        <a:xfrm>
+          <a:off x="0" y="0"/>
+          <a:ext cx="0" cy="0"/>
+          <a:chOff x="0" y="0"/>
+          <a:chExt cx="0" cy="0"/>
+        </a:xfrm>
+      </p:grpSpPr>
+      <p:pic>
+        <p:nvPicPr>
+          <p:cNvPr id="4" name="Picture 3" descr="Abstract background of mesh">
+            <a:extLst>
+              <a:ext uri="{FF2B5EF4-FFF2-40B4-BE49-F238E27FC236}">
+                <a16:creationId xmlns:a16="http://schemas.microsoft.com/office/drawing/2014/main" id="{950EE5C2-57B7-93FC-92CC-F84F684562CA}"/>
+              </a:ext>
+            </a:extLst>
+          </p:cNvPr>
+          <p:cNvPicPr>
+            <a:picLocks noChangeAspect="1"/>
+          </p:cNvPicPr>
+          <p:nvPr/>
+        </p:nvPicPr>
+        <p:blipFill>
+          <a:blip r:embed="rId2"/>
+          <a:srcRect b="15730"/>
+          <a:stretch>
+            <a:fillRect/>
+          </a:stretch>
+        </p:blipFill>
+        <p:spPr>
+          <a:xfrm>
+            <a:off x="0" y="10"/>
+            <a:ext cx="12191979" cy="6857990"/>
+          </a:xfrm>
+          <a:prstGeom prst="rect">
+            <a:avLst/>
+          </a:prstGeom>
+          <a:ln>
+            <a:solidFill>
+              <a:srgbClr val="CC9900"/>
+            </a:solidFill>
+          </a:ln>
+        </p:spPr>
+      </p:pic>
+      <p:sp>
+        <p:nvSpPr>
+          <p:cNvPr id="2" name="Title 1">
+            <a:extLst>
+              <a:ext uri="{FF2B5EF4-FFF2-40B4-BE49-F238E27FC236}">
+                <a16:creationId xmlns:a16="http://schemas.microsoft.com/office/drawing/2014/main" id="{6C728203-C777-6DDF-51AA-4CD829E6475C}"/>
+              </a:ext>
+            </a:extLst>
+          </p:cNvPr>
+          <p:cNvSpPr>
+            <a:spLocks noGrp="1"/>
+          </p:cNvSpPr>
+          <p:nvPr>
+            <p:ph type="ctrTitle"/>
+          </p:nvPr>
+        </p:nvSpPr>
+        <p:spPr>
+          <a:xfrm>
+            <a:off x="320039" y="255831"/>
+            <a:ext cx="6071334" cy="823940"/>
+          </a:xfrm>
+          <a:ln>
+            <a:solidFill>
+              <a:srgbClr val="CC9900"/>
+            </a:solidFill>
+          </a:ln>
+        </p:spPr>
+        <p:txBody>
+          <a:bodyPr anchor="t">
+            <a:normAutofit fontScale="90000"/>
+          </a:bodyPr>
+          <a:lstStyle/>
+          <a:p>
+            <a:pPr algn="ctr"/>
+            <a:r>
+              <a:rPr lang="en-US" sz="4400" dirty="0">
+                <a:solidFill>
+                  <a:schemeClr val="bg1"/>
+                </a:solidFill>
+              </a:rPr>
+              <a:t>Extras, Lessons, Citations</a:t>
+            </a:r>
+            <a:br>
+              <a:rPr lang="en-US" sz="4400" dirty="0">
+                <a:solidFill>
+                  <a:schemeClr val="bg1"/>
+                </a:solidFill>
+              </a:rPr>
+            </a:br>
+            <a:endParaRPr lang="en-US" sz="4400" dirty="0">
+              <a:solidFill>
+                <a:schemeClr val="bg1"/>
+              </a:solidFill>
+            </a:endParaRPr>
+          </a:p>
+        </p:txBody>
+      </p:sp>
+      <p:sp>
+        <p:nvSpPr>
+          <p:cNvPr id="5" name="TextBox 4">
+            <a:extLst>
+              <a:ext uri="{FF2B5EF4-FFF2-40B4-BE49-F238E27FC236}">
+                <a16:creationId xmlns:a16="http://schemas.microsoft.com/office/drawing/2014/main" id="{82F37083-3017-5288-BDB2-44BFC45D3FE7}"/>
+              </a:ext>
+            </a:extLst>
+          </p:cNvPr>
+          <p:cNvSpPr txBox="1"/>
+          <p:nvPr/>
+        </p:nvSpPr>
+        <p:spPr>
+          <a:xfrm>
+            <a:off x="320039" y="2117559"/>
+            <a:ext cx="5775961" cy="3693319"/>
+          </a:xfrm>
+          <a:prstGeom prst="rect">
+            <a:avLst/>
+          </a:prstGeom>
+          <a:noFill/>
+          <a:ln>
+            <a:solidFill>
+              <a:srgbClr val="CC9900"/>
+            </a:solidFill>
+          </a:ln>
+        </p:spPr>
+        <p:txBody>
+          <a:bodyPr wrap="square" rtlCol="0">
+            <a:spAutoFit/>
+          </a:bodyPr>
+          <a:lstStyle/>
+          <a:p>
+            <a:pPr marL="342900" marR="0" lvl="0" indent="-342900" algn="l" defTabSz="457200" rtl="0" eaLnBrk="1" fontAlgn="auto" latinLnBrk="0" hangingPunct="1">
+              <a:lnSpc>
+                <a:spcPct val="100000"/>
+              </a:lnSpc>
+              <a:spcBef>
+                <a:spcPts val="0"/>
+              </a:spcBef>
+              <a:spcAft>
+                <a:spcPts val="0"/>
+              </a:spcAft>
+              <a:buClrTx/>
+              <a:buSzTx/>
+              <a:buFont typeface="Arial" panose="020B0604020202020204" pitchFamily="34" charset="0"/>
+              <a:buChar char="•"/>
+              <a:tabLst/>
+              <a:defRPr/>
+            </a:pPr>
+            <a:r>
+              <a:rPr kumimoji="0" lang="en-US" sz="1800" b="0" i="0" u="none" strike="noStrike" kern="1200" cap="none" spc="0" normalizeH="0" baseline="0" noProof="0" dirty="0">
+                <a:ln>
+                  <a:noFill/>
+                </a:ln>
+                <a:solidFill>
+                  <a:prstClr val="black"/>
+                </a:solidFill>
+                <a:effectLst/>
+                <a:uLnTx/>
+                <a:uFillTx/>
+                <a:latin typeface="Impact" panose="020B0806030902050204"/>
+                <a:ea typeface="+mn-ea"/>
+                <a:cs typeface="+mn-cs"/>
+              </a:rPr>
+              <a:t>• Macro actions? I experimented with a ‘</a:t>
+            </a:r>
+            <a:r>
+              <a:rPr kumimoji="0" lang="en-US" sz="1800" b="0" i="0" u="none" strike="noStrike" kern="1200" cap="none" spc="0" normalizeH="0" baseline="0" noProof="0" dirty="0" err="1">
+                <a:ln>
+                  <a:noFill/>
+                </a:ln>
+                <a:solidFill>
+                  <a:prstClr val="black"/>
+                </a:solidFill>
+                <a:effectLst/>
+                <a:uLnTx/>
+                <a:uFillTx/>
+                <a:latin typeface="Impact" panose="020B0806030902050204"/>
+                <a:ea typeface="+mn-ea"/>
+                <a:cs typeface="+mn-cs"/>
+              </a:rPr>
+              <a:t>BuildElectronics</a:t>
+            </a:r>
+            <a:r>
+              <a:rPr kumimoji="0" lang="en-US" sz="1800" b="0" i="0" u="none" strike="noStrike" kern="1200" cap="none" spc="0" normalizeH="0" baseline="0" noProof="0" dirty="0">
+                <a:ln>
+                  <a:noFill/>
+                </a:ln>
+                <a:solidFill>
+                  <a:prstClr val="black"/>
+                </a:solidFill>
+                <a:effectLst/>
+                <a:uLnTx/>
+                <a:uFillTx/>
+                <a:latin typeface="Impact" panose="020B0806030902050204"/>
+                <a:ea typeface="+mn-ea"/>
+                <a:cs typeface="+mn-cs"/>
+              </a:rPr>
+              <a:t>’ macro (Alloys → Electronics in one op). It pruned 30 % of nodes but occasionally hid a better intermediate plan, so I left it out.</a:t>
+            </a:r>
+          </a:p>
+          <a:p>
+            <a:pPr marL="342900" marR="0" lvl="0" indent="-342900" algn="l" defTabSz="457200" rtl="0" eaLnBrk="1" fontAlgn="auto" latinLnBrk="0" hangingPunct="1">
+              <a:lnSpc>
+                <a:spcPct val="100000"/>
+              </a:lnSpc>
+              <a:spcBef>
+                <a:spcPts val="0"/>
+              </a:spcBef>
+              <a:spcAft>
+                <a:spcPts val="0"/>
+              </a:spcAft>
+              <a:buClrTx/>
+              <a:buSzTx/>
+              <a:buFont typeface="Arial" panose="020B0604020202020204" pitchFamily="34" charset="0"/>
+              <a:buChar char="•"/>
+              <a:tabLst/>
+              <a:defRPr/>
+            </a:pPr>
+            <a:endParaRPr lang="en-US" dirty="0">
+              <a:solidFill>
+                <a:prstClr val="black"/>
+              </a:solidFill>
+              <a:latin typeface="Impact" panose="020B0806030902050204"/>
+            </a:endParaRPr>
+          </a:p>
+          <a:p>
+            <a:pPr marL="342900" marR="0" lvl="0" indent="-342900" algn="l" defTabSz="457200" rtl="0" eaLnBrk="1" fontAlgn="auto" latinLnBrk="0" hangingPunct="1">
+              <a:lnSpc>
+                <a:spcPct val="100000"/>
+              </a:lnSpc>
+              <a:spcBef>
+                <a:spcPts val="0"/>
+              </a:spcBef>
+              <a:spcAft>
+                <a:spcPts val="0"/>
+              </a:spcAft>
+              <a:buClrTx/>
+              <a:buSzTx/>
+              <a:buFont typeface="Arial" panose="020B0604020202020204" pitchFamily="34" charset="0"/>
+              <a:buChar char="•"/>
+              <a:tabLst/>
+              <a:defRPr/>
+            </a:pPr>
+            <a:r>
+              <a:rPr kumimoji="0" lang="en-US" sz="1800" b="0" i="0" u="none" strike="noStrike" kern="1200" cap="none" spc="0" normalizeH="0" baseline="0" noProof="0" dirty="0">
+                <a:ln>
+                  <a:noFill/>
+                </a:ln>
+                <a:solidFill>
+                  <a:prstClr val="black"/>
+                </a:solidFill>
+                <a:effectLst/>
+                <a:uLnTx/>
+                <a:uFillTx/>
+                <a:latin typeface="Impact" panose="020B0806030902050204"/>
+                <a:ea typeface="+mn-ea"/>
+                <a:cs typeface="+mn-cs"/>
+              </a:rPr>
+              <a:t>Adding Solar-Panel transform templates (DOE cost curves, 2024) nudged weights but didn’t change the best Atlantis plan, so renewables remain future work.</a:t>
+            </a:r>
+          </a:p>
+          <a:p>
+            <a:pPr marL="342900" marR="0" lvl="0" indent="-342900" algn="l" defTabSz="457200" rtl="0" eaLnBrk="1" fontAlgn="auto" latinLnBrk="0" hangingPunct="1">
+              <a:lnSpc>
+                <a:spcPct val="100000"/>
+              </a:lnSpc>
+              <a:spcBef>
+                <a:spcPts val="0"/>
+              </a:spcBef>
+              <a:spcAft>
+                <a:spcPts val="0"/>
+              </a:spcAft>
+              <a:buClrTx/>
+              <a:buSzTx/>
+              <a:buFont typeface="Arial" panose="020B0604020202020204" pitchFamily="34" charset="0"/>
+              <a:buChar char="•"/>
+              <a:tabLst/>
+              <a:defRPr/>
+            </a:pPr>
+            <a:endParaRPr lang="en-US" dirty="0">
+              <a:solidFill>
+                <a:prstClr val="black"/>
+              </a:solidFill>
+              <a:latin typeface="Impact" panose="020B0806030902050204"/>
+            </a:endParaRPr>
+          </a:p>
+          <a:p>
+            <a:pPr marL="342900" marR="0" lvl="0" indent="-342900" algn="l" defTabSz="457200" rtl="0" eaLnBrk="1" fontAlgn="auto" latinLnBrk="0" hangingPunct="1">
+              <a:lnSpc>
+                <a:spcPct val="100000"/>
+              </a:lnSpc>
+              <a:spcBef>
+                <a:spcPts val="0"/>
+              </a:spcBef>
+              <a:spcAft>
+                <a:spcPts val="0"/>
+              </a:spcAft>
+              <a:buClrTx/>
+              <a:buSzTx/>
+              <a:buFont typeface="Arial" panose="020B0604020202020204" pitchFamily="34" charset="0"/>
+              <a:buChar char="•"/>
+              <a:tabLst/>
+              <a:defRPr/>
+            </a:pPr>
+            <a:r>
+              <a:rPr kumimoji="0" lang="en-US" sz="1800" b="0" i="0" u="none" strike="noStrike" kern="1200" cap="none" spc="0" normalizeH="0" baseline="0" noProof="0" dirty="0">
+                <a:ln>
+                  <a:noFill/>
+                </a:ln>
+                <a:solidFill>
+                  <a:prstClr val="black"/>
+                </a:solidFill>
+                <a:effectLst/>
+                <a:uLnTx/>
+                <a:uFillTx/>
+                <a:latin typeface="Impact" panose="020B0806030902050204"/>
+                <a:ea typeface="+mn-ea"/>
+                <a:cs typeface="+mn-cs"/>
+              </a:rPr>
+              <a:t>Main takeaway: per-capita Q plus logistic schedule-success prevents greedy exploitation and naturally negotiates trades.</a:t>
+            </a:r>
+          </a:p>
+          <a:p>
+            <a:pPr marL="342900" marR="0" lvl="0" indent="-342900" algn="l" defTabSz="457200" rtl="0" eaLnBrk="1" fontAlgn="auto" latinLnBrk="0" hangingPunct="1">
+              <a:lnSpc>
+                <a:spcPct val="100000"/>
+              </a:lnSpc>
+              <a:spcBef>
+                <a:spcPts val="0"/>
+              </a:spcBef>
+              <a:spcAft>
+                <a:spcPts val="0"/>
+              </a:spcAft>
+              <a:buClrTx/>
+              <a:buSzTx/>
+              <a:buFont typeface="Arial" panose="020B0604020202020204" pitchFamily="34" charset="0"/>
+              <a:buChar char="•"/>
+              <a:tabLst/>
+              <a:defRPr/>
+            </a:pPr>
+            <a:endParaRPr kumimoji="0" lang="en-US" sz="1800" b="0" i="0" u="none" strike="noStrike" kern="1200" cap="none" spc="0" normalizeH="0" baseline="0" noProof="0" dirty="0">
+              <a:ln>
+                <a:noFill/>
+              </a:ln>
+              <a:solidFill>
+                <a:prstClr val="black"/>
+              </a:solidFill>
+              <a:effectLst/>
+              <a:uLnTx/>
+              <a:uFillTx/>
+              <a:latin typeface="Neue Haas Grotesk Text Pro"/>
+              <a:ea typeface="+mn-ea"/>
+              <a:cs typeface="+mn-cs"/>
+            </a:endParaRPr>
+          </a:p>
+        </p:txBody>
+      </p:sp>
+      <p:pic>
+        <p:nvPicPr>
+          <p:cNvPr id="3" name="Picture 2">
+            <a:extLst>
+              <a:ext uri="{FF2B5EF4-FFF2-40B4-BE49-F238E27FC236}">
+                <a16:creationId xmlns:a16="http://schemas.microsoft.com/office/drawing/2014/main" id="{98E4C2B6-715D-7298-C0A4-04648E6ED85A}"/>
+              </a:ext>
+            </a:extLst>
+          </p:cNvPr>
+          <p:cNvPicPr>
+            <a:picLocks noChangeAspect="1"/>
+          </p:cNvPicPr>
+          <p:nvPr/>
+        </p:nvPicPr>
+        <p:blipFill>
+          <a:blip r:embed="rId3"/>
+          <a:stretch>
+            <a:fillRect/>
+          </a:stretch>
+        </p:blipFill>
+        <p:spPr>
+          <a:xfrm>
+            <a:off x="9552003" y="5529032"/>
+            <a:ext cx="2639977" cy="1328968"/>
+          </a:xfrm>
+          <a:prstGeom prst="rect">
+            <a:avLst/>
+          </a:prstGeom>
+        </p:spPr>
+      </p:pic>
+    </p:spTree>
+    <p:extLst>
+      <p:ext uri="{BB962C8B-B14F-4D97-AF65-F5344CB8AC3E}">
+        <p14:creationId xmlns:p14="http://schemas.microsoft.com/office/powerpoint/2010/main" val="2068628675"/>
+      </p:ext>
+    </p:extLst>
+  </p:cSld>
+  <p:clrMapOvr>
+    <a:overrideClrMapping bg1="dk1" tx1="lt1" bg2="dk2" tx2="lt2" accent1="accent1" accent2="accent2" accent3="accent3" accent4="accent4" accent5="accent5" accent6="accent6" hlink="hlink" folHlink="folHlink"/>
+  </p:clrMapOvr>
+</p:sld>
+</file>
+
 <file path=ppt/theme/theme1.xml><?xml version="1.0" encoding="utf-8"?>
 <a:theme xmlns:a="http://schemas.openxmlformats.org/drawingml/2006/main" name="Main Event">
   <a:themeElements>
